--- a/Proiect_1_SD/Sortari.pptx
+++ b/Proiect_1_SD/Sortari.pptx
@@ -25783,23 +25783,11 @@
             </a:r>
             <a:r>
               <a:rPr lang="en-US"/>
-              <a:t>: Visual Studio Community 2019 (</a:t>
-            </a:r>
-            <a:r>
-              <a:rPr lang="en-US" err="1"/>
-              <a:t>ruleaz</a:t>
+              <a:t>: Visual Studio Community 2019 (testat </a:t>
             </a:r>
             <a:r>
               <a:rPr lang="ro-RO"/>
-              <a:t>ă și în CodeBlocks</a:t>
-            </a:r>
-            <a:r>
-              <a:rPr lang="en-US"/>
-              <a:t>, fi</a:t>
-            </a:r>
-            <a:r>
-              <a:rPr lang="ro-RO"/>
-              <a:t>șierul .cpp este în /Cod/Proiect_SD</a:t>
+              <a:t>și în CodeBlocks</a:t>
             </a:r>
             <a:r>
               <a:rPr lang="en-US"/>
